--- a/Presentation1.pptx
+++ b/Presentation1.pptx
@@ -7,6 +7,20 @@
   <p:sldIdLst>
     <p:sldId id="256" r:id="rId2"/>
     <p:sldId id="257" r:id="rId3"/>
+    <p:sldId id="259" r:id="rId4"/>
+    <p:sldId id="261" r:id="rId5"/>
+    <p:sldId id="262" r:id="rId6"/>
+    <p:sldId id="265" r:id="rId7"/>
+    <p:sldId id="266" r:id="rId8"/>
+    <p:sldId id="267" r:id="rId9"/>
+    <p:sldId id="269" r:id="rId10"/>
+    <p:sldId id="271" r:id="rId11"/>
+    <p:sldId id="274" r:id="rId12"/>
+    <p:sldId id="277" r:id="rId13"/>
+    <p:sldId id="279" r:id="rId14"/>
+    <p:sldId id="281" r:id="rId15"/>
+    <p:sldId id="280" r:id="rId16"/>
+    <p:sldId id="282" r:id="rId17"/>
   </p:sldIdLst>
   <p:sldSz cx="12192000" cy="6858000"/>
   <p:notesSz cx="6858000" cy="9144000"/>
@@ -105,6 +119,11 @@
       </a:defRPr>
     </a:lvl9pPr>
   </p:defaultTextStyle>
+  <p:extLst>
+    <p:ext uri="{EFAFB233-063F-42B5-8137-9DF3F51BA10A}">
+      <p15:sldGuideLst xmlns:p15="http://schemas.microsoft.com/office/powerpoint/2012/main"/>
+    </p:ext>
+  </p:extLst>
 </p:presentation>
 </file>
 
@@ -396,7 +415,7 @@
             <a:fld id="{87DE6118-2437-4B30-8E3C-4D2BE6020583}" type="datetimeFigureOut">
               <a:rPr lang="en-US" smtClean="0"/>
               <a:pPr/>
-              <a:t>8/11/18</a:t>
+              <a:t>8/19/18</a:t>
             </a:fld>
             <a:endParaRPr lang="en-US" dirty="0"/>
           </a:p>
@@ -716,7 +735,7 @@
             <a:fld id="{87DE6118-2437-4B30-8E3C-4D2BE6020583}" type="datetimeFigureOut">
               <a:rPr lang="en-US" smtClean="0"/>
               <a:pPr/>
-              <a:t>8/11/18</a:t>
+              <a:t>8/19/18</a:t>
             </a:fld>
             <a:endParaRPr lang="en-US" dirty="0"/>
           </a:p>
@@ -1206,7 +1225,7 @@
             <a:fld id="{87DE6118-2437-4B30-8E3C-4D2BE6020583}" type="datetimeFigureOut">
               <a:rPr lang="en-US" smtClean="0"/>
               <a:pPr/>
-              <a:t>8/11/18</a:t>
+              <a:t>8/19/18</a:t>
             </a:fld>
             <a:endParaRPr lang="en-US" dirty="0"/>
           </a:p>
@@ -1577,7 +1596,7 @@
             <a:fld id="{87DE6118-2437-4B30-8E3C-4D2BE6020583}" type="datetimeFigureOut">
               <a:rPr lang="en-US" smtClean="0"/>
               <a:pPr/>
-              <a:t>8/11/18</a:t>
+              <a:t>8/19/18</a:t>
             </a:fld>
             <a:endParaRPr lang="en-US" dirty="0"/>
           </a:p>
@@ -1851,7 +1870,7 @@
           <a:p>
             <a:fld id="{87DE6118-2437-4B30-8E3C-4D2BE6020583}" type="datetimeFigureOut">
               <a:rPr lang="en-US" smtClean="0"/>
-              <a:t>8/11/18</a:t>
+              <a:t>8/19/18</a:t>
             </a:fld>
             <a:endParaRPr lang="en-US" dirty="0"/>
           </a:p>
@@ -2136,7 +2155,7 @@
           <a:p>
             <a:fld id="{87DE6118-2437-4B30-8E3C-4D2BE6020583}" type="datetimeFigureOut">
               <a:rPr lang="en-US" smtClean="0"/>
-              <a:t>8/11/18</a:t>
+              <a:t>8/19/18</a:t>
             </a:fld>
             <a:endParaRPr lang="en-US" dirty="0"/>
           </a:p>
@@ -2419,7 +2438,7 @@
           <a:p>
             <a:fld id="{87DE6118-2437-4B30-8E3C-4D2BE6020583}" type="datetimeFigureOut">
               <a:rPr lang="en-US" smtClean="0"/>
-              <a:t>8/11/18</a:t>
+              <a:t>8/19/18</a:t>
             </a:fld>
             <a:endParaRPr lang="en-US" dirty="0"/>
           </a:p>
@@ -2763,7 +2782,7 @@
             <a:fld id="{87DE6118-2437-4B30-8E3C-4D2BE6020583}" type="datetimeFigureOut">
               <a:rPr lang="en-US" smtClean="0"/>
               <a:pPr/>
-              <a:t>8/11/18</a:t>
+              <a:t>8/19/18</a:t>
             </a:fld>
             <a:endParaRPr lang="en-US" dirty="0"/>
           </a:p>
@@ -3103,7 +3122,7 @@
           <a:p>
             <a:fld id="{87DE6118-2437-4B30-8E3C-4D2BE6020583}" type="datetimeFigureOut">
               <a:rPr lang="en-US" smtClean="0"/>
-              <a:t>8/11/18</a:t>
+              <a:t>8/19/18</a:t>
             </a:fld>
             <a:endParaRPr lang="en-US" dirty="0"/>
           </a:p>
@@ -3581,7 +3600,7 @@
             <a:fld id="{87DE6118-2437-4B30-8E3C-4D2BE6020583}" type="datetimeFigureOut">
               <a:rPr lang="en-US" smtClean="0"/>
               <a:pPr/>
-              <a:t>8/11/18</a:t>
+              <a:t>8/19/18</a:t>
             </a:fld>
             <a:endParaRPr lang="en-US" dirty="0"/>
           </a:p>
@@ -3803,7 +3822,7 @@
           <a:p>
             <a:fld id="{87DE6118-2437-4B30-8E3C-4D2BE6020583}" type="datetimeFigureOut">
               <a:rPr lang="en-US" smtClean="0"/>
-              <a:t>8/11/18</a:t>
+              <a:t>8/19/18</a:t>
             </a:fld>
             <a:endParaRPr lang="en-US" dirty="0"/>
           </a:p>
@@ -3898,7 +3917,7 @@
           <a:p>
             <a:fld id="{87DE6118-2437-4B30-8E3C-4D2BE6020583}" type="datetimeFigureOut">
               <a:rPr lang="en-US" smtClean="0"/>
-              <a:t>8/11/18</a:t>
+              <a:t>8/19/18</a:t>
             </a:fld>
             <a:endParaRPr lang="en-US" dirty="0"/>
           </a:p>
@@ -4366,7 +4385,7 @@
             <a:fld id="{87DE6118-2437-4B30-8E3C-4D2BE6020583}" type="datetimeFigureOut">
               <a:rPr lang="en-US" smtClean="0"/>
               <a:pPr/>
-              <a:t>8/11/18</a:t>
+              <a:t>8/19/18</a:t>
             </a:fld>
             <a:endParaRPr lang="en-US" dirty="0"/>
           </a:p>
@@ -4681,7 +4700,7 @@
             <a:fld id="{87DE6118-2437-4B30-8E3C-4D2BE6020583}" type="datetimeFigureOut">
               <a:rPr lang="en-US" smtClean="0"/>
               <a:pPr/>
-              <a:t>8/11/18</a:t>
+              <a:t>8/19/18</a:t>
             </a:fld>
             <a:endParaRPr lang="en-US" dirty="0"/>
           </a:p>
@@ -4953,7 +4972,7 @@
             <a:fld id="{87DE6118-2437-4B30-8E3C-4D2BE6020583}" type="datetimeFigureOut">
               <a:rPr lang="en-US" smtClean="0"/>
               <a:pPr/>
-              <a:t>8/11/18</a:t>
+              <a:t>8/19/18</a:t>
             </a:fld>
             <a:endParaRPr lang="en-US" dirty="0"/>
           </a:p>
@@ -5394,6 +5413,14 @@
 <file path=ppt/slides/slide1.xml><?xml version="1.0" encoding="utf-8"?>
 <p:sld xmlns:a="http://schemas.openxmlformats.org/drawingml/2006/main" xmlns:r="http://schemas.openxmlformats.org/officeDocument/2006/relationships" xmlns:p="http://schemas.openxmlformats.org/presentationml/2006/main">
   <p:cSld>
+    <p:bg>
+      <p:bgPr>
+        <a:solidFill>
+          <a:schemeClr val="bg2"/>
+        </a:solidFill>
+        <a:effectLst/>
+      </p:bgPr>
+    </p:bg>
     <p:spTree>
       <p:nvGrpSpPr>
         <p:cNvPr id="1" name=""/>
@@ -5429,7 +5456,7 @@
           <a:bodyPr/>
           <a:lstStyle/>
           <a:p>
-            <a:endParaRPr lang="en-US"/>
+            <a:endParaRPr lang="en-US" dirty="0"/>
           </a:p>
         </p:txBody>
       </p:sp>
@@ -5454,7 +5481,10 @@
           <a:bodyPr/>
           <a:lstStyle/>
           <a:p>
-            <a:endParaRPr lang="en-US"/>
+            <a:r>
+              <a:rPr lang="en-US" dirty="0"/>
+              <a:t>Jim Cloud and Dick Xu</a:t>
+            </a:r>
           </a:p>
         </p:txBody>
       </p:sp>
@@ -5462,6 +5492,775 @@
     <p:extLst>
       <p:ext uri="{BB962C8B-B14F-4D97-AF65-F5344CB8AC3E}">
         <p14:creationId xmlns:p14="http://schemas.microsoft.com/office/powerpoint/2010/main" val="907848182"/>
+      </p:ext>
+    </p:extLst>
+  </p:cSld>
+  <p:clrMapOvr>
+    <a:masterClrMapping/>
+  </p:clrMapOvr>
+</p:sld>
+</file>
+
+<file path=ppt/slides/slide10.xml><?xml version="1.0" encoding="utf-8"?>
+<p:sld xmlns:a="http://schemas.openxmlformats.org/drawingml/2006/main" xmlns:r="http://schemas.openxmlformats.org/officeDocument/2006/relationships" xmlns:p="http://schemas.openxmlformats.org/presentationml/2006/main">
+  <p:cSld>
+    <p:spTree>
+      <p:nvGrpSpPr>
+        <p:cNvPr id="1" name=""/>
+        <p:cNvGrpSpPr/>
+        <p:nvPr/>
+      </p:nvGrpSpPr>
+      <p:grpSpPr>
+        <a:xfrm>
+          <a:off x="0" y="0"/>
+          <a:ext cx="0" cy="0"/>
+          <a:chOff x="0" y="0"/>
+          <a:chExt cx="0" cy="0"/>
+        </a:xfrm>
+      </p:grpSpPr>
+      <p:sp>
+        <p:nvSpPr>
+          <p:cNvPr id="2" name="Title 1">
+            <a:extLst>
+              <a:ext uri="{FF2B5EF4-FFF2-40B4-BE49-F238E27FC236}">
+                <a16:creationId xmlns:a16="http://schemas.microsoft.com/office/drawing/2014/main" id="{BF90CD6D-FDA1-D946-B221-A85FB3AD2BE9}"/>
+              </a:ext>
+            </a:extLst>
+          </p:cNvPr>
+          <p:cNvSpPr>
+            <a:spLocks noGrp="1"/>
+          </p:cNvSpPr>
+          <p:nvPr>
+            <p:ph type="title"/>
+          </p:nvPr>
+        </p:nvSpPr>
+        <p:spPr/>
+        <p:txBody>
+          <a:bodyPr/>
+          <a:lstStyle/>
+          <a:p>
+            <a:r>
+              <a:rPr lang="en-US" dirty="0"/>
+              <a:t>Step 6: Trendline Code</a:t>
+            </a:r>
+          </a:p>
+        </p:txBody>
+      </p:sp>
+      <p:pic>
+        <p:nvPicPr>
+          <p:cNvPr id="7" name="Picture 6">
+            <a:extLst>
+              <a:ext uri="{FF2B5EF4-FFF2-40B4-BE49-F238E27FC236}">
+                <a16:creationId xmlns:a16="http://schemas.microsoft.com/office/drawing/2014/main" id="{41BA8FC4-3A39-FB43-8F24-BA21C0DB3993}"/>
+              </a:ext>
+            </a:extLst>
+          </p:cNvPr>
+          <p:cNvPicPr>
+            <a:picLocks noChangeAspect="1"/>
+          </p:cNvPicPr>
+          <p:nvPr/>
+        </p:nvPicPr>
+        <p:blipFill>
+          <a:blip r:embed="rId2"/>
+          <a:stretch>
+            <a:fillRect/>
+          </a:stretch>
+        </p:blipFill>
+        <p:spPr>
+          <a:xfrm>
+            <a:off x="0" y="1555668"/>
+            <a:ext cx="12191999" cy="5302332"/>
+          </a:xfrm>
+          <a:prstGeom prst="rect">
+            <a:avLst/>
+          </a:prstGeom>
+        </p:spPr>
+      </p:pic>
+    </p:spTree>
+    <p:extLst>
+      <p:ext uri="{BB962C8B-B14F-4D97-AF65-F5344CB8AC3E}">
+        <p14:creationId xmlns:p14="http://schemas.microsoft.com/office/powerpoint/2010/main" val="3906653256"/>
+      </p:ext>
+    </p:extLst>
+  </p:cSld>
+  <p:clrMapOvr>
+    <a:masterClrMapping/>
+  </p:clrMapOvr>
+</p:sld>
+</file>
+
+<file path=ppt/slides/slide11.xml><?xml version="1.0" encoding="utf-8"?>
+<p:sld xmlns:a="http://schemas.openxmlformats.org/drawingml/2006/main" xmlns:r="http://schemas.openxmlformats.org/officeDocument/2006/relationships" xmlns:p="http://schemas.openxmlformats.org/presentationml/2006/main">
+  <p:cSld>
+    <p:spTree>
+      <p:nvGrpSpPr>
+        <p:cNvPr id="1" name=""/>
+        <p:cNvGrpSpPr/>
+        <p:nvPr/>
+      </p:nvGrpSpPr>
+      <p:grpSpPr>
+        <a:xfrm>
+          <a:off x="0" y="0"/>
+          <a:ext cx="0" cy="0"/>
+          <a:chOff x="0" y="0"/>
+          <a:chExt cx="0" cy="0"/>
+        </a:xfrm>
+      </p:grpSpPr>
+      <p:sp>
+        <p:nvSpPr>
+          <p:cNvPr id="2" name="Title 1">
+            <a:extLst>
+              <a:ext uri="{FF2B5EF4-FFF2-40B4-BE49-F238E27FC236}">
+                <a16:creationId xmlns:a16="http://schemas.microsoft.com/office/drawing/2014/main" id="{364DA1A6-59CA-934F-A99A-7A37DEA3C29B}"/>
+              </a:ext>
+            </a:extLst>
+          </p:cNvPr>
+          <p:cNvSpPr>
+            <a:spLocks noGrp="1"/>
+          </p:cNvSpPr>
+          <p:nvPr>
+            <p:ph type="title"/>
+          </p:nvPr>
+        </p:nvSpPr>
+        <p:spPr/>
+        <p:txBody>
+          <a:bodyPr/>
+          <a:lstStyle/>
+          <a:p>
+            <a:r>
+              <a:rPr lang="en-US" dirty="0"/>
+              <a:t>Step 7: Trendline Charts</a:t>
+            </a:r>
+          </a:p>
+        </p:txBody>
+      </p:sp>
+      <p:pic>
+        <p:nvPicPr>
+          <p:cNvPr id="12" name="Content Placeholder 11">
+            <a:extLst>
+              <a:ext uri="{FF2B5EF4-FFF2-40B4-BE49-F238E27FC236}">
+                <a16:creationId xmlns:a16="http://schemas.microsoft.com/office/drawing/2014/main" id="{76D8B6B4-AFEE-D943-AE41-3C96FEE3DDB1}"/>
+              </a:ext>
+            </a:extLst>
+          </p:cNvPr>
+          <p:cNvPicPr>
+            <a:picLocks noGrp="1" noChangeAspect="1"/>
+          </p:cNvPicPr>
+          <p:nvPr>
+            <p:ph sz="half" idx="2"/>
+          </p:nvPr>
+        </p:nvPicPr>
+        <p:blipFill>
+          <a:blip r:embed="rId2"/>
+          <a:stretch>
+            <a:fillRect/>
+          </a:stretch>
+        </p:blipFill>
+        <p:spPr>
+          <a:xfrm>
+            <a:off x="185607" y="2471669"/>
+            <a:ext cx="5785912" cy="3742864"/>
+          </a:xfrm>
+        </p:spPr>
+      </p:pic>
+      <p:pic>
+        <p:nvPicPr>
+          <p:cNvPr id="16" name="Content Placeholder 15">
+            <a:extLst>
+              <a:ext uri="{FF2B5EF4-FFF2-40B4-BE49-F238E27FC236}">
+                <a16:creationId xmlns:a16="http://schemas.microsoft.com/office/drawing/2014/main" id="{815CD786-40AB-2843-B344-034B8DE0F7A3}"/>
+              </a:ext>
+            </a:extLst>
+          </p:cNvPr>
+          <p:cNvPicPr>
+            <a:picLocks noGrp="1" noChangeAspect="1"/>
+          </p:cNvPicPr>
+          <p:nvPr>
+            <p:ph sz="half" idx="1"/>
+          </p:nvPr>
+        </p:nvPicPr>
+        <p:blipFill>
+          <a:blip r:embed="rId3"/>
+          <a:stretch>
+            <a:fillRect/>
+          </a:stretch>
+        </p:blipFill>
+        <p:spPr>
+          <a:xfrm>
+            <a:off x="6221349" y="2471669"/>
+            <a:ext cx="5791201" cy="3762645"/>
+          </a:xfrm>
+        </p:spPr>
+      </p:pic>
+    </p:spTree>
+    <p:extLst>
+      <p:ext uri="{BB962C8B-B14F-4D97-AF65-F5344CB8AC3E}">
+        <p14:creationId xmlns:p14="http://schemas.microsoft.com/office/powerpoint/2010/main" val="4259039803"/>
+      </p:ext>
+    </p:extLst>
+  </p:cSld>
+  <p:clrMapOvr>
+    <a:masterClrMapping/>
+  </p:clrMapOvr>
+</p:sld>
+</file>
+
+<file path=ppt/slides/slide12.xml><?xml version="1.0" encoding="utf-8"?>
+<p:sld xmlns:a="http://schemas.openxmlformats.org/drawingml/2006/main" xmlns:r="http://schemas.openxmlformats.org/officeDocument/2006/relationships" xmlns:p="http://schemas.openxmlformats.org/presentationml/2006/main">
+  <p:cSld>
+    <p:bg>
+      <p:bgPr>
+        <a:pattFill prst="dkDnDiag">
+          <a:fgClr>
+            <a:schemeClr val="bg2">
+              <a:lumMod val="60000"/>
+              <a:lumOff val="40000"/>
+            </a:schemeClr>
+          </a:fgClr>
+          <a:bgClr>
+            <a:schemeClr val="bg2">
+              <a:lumMod val="40000"/>
+              <a:lumOff val="60000"/>
+            </a:schemeClr>
+          </a:bgClr>
+        </a:pattFill>
+        <a:effectLst/>
+      </p:bgPr>
+    </p:bg>
+    <p:spTree>
+      <p:nvGrpSpPr>
+        <p:cNvPr id="1" name=""/>
+        <p:cNvGrpSpPr/>
+        <p:nvPr/>
+      </p:nvGrpSpPr>
+      <p:grpSpPr>
+        <a:xfrm>
+          <a:off x="0" y="0"/>
+          <a:ext cx="0" cy="0"/>
+          <a:chOff x="0" y="0"/>
+          <a:chExt cx="0" cy="0"/>
+        </a:xfrm>
+      </p:grpSpPr>
+      <p:pic>
+        <p:nvPicPr>
+          <p:cNvPr id="2" name="Picture 1">
+            <a:extLst>
+              <a:ext uri="{FF2B5EF4-FFF2-40B4-BE49-F238E27FC236}">
+                <a16:creationId xmlns:a16="http://schemas.microsoft.com/office/drawing/2014/main" id="{DF3F530C-67F9-2142-A03A-1DA709487654}"/>
+              </a:ext>
+            </a:extLst>
+          </p:cNvPr>
+          <p:cNvPicPr>
+            <a:picLocks noChangeAspect="1"/>
+          </p:cNvPicPr>
+          <p:nvPr/>
+        </p:nvPicPr>
+        <p:blipFill>
+          <a:blip r:embed="rId2"/>
+          <a:stretch>
+            <a:fillRect/>
+          </a:stretch>
+        </p:blipFill>
+        <p:spPr>
+          <a:xfrm>
+            <a:off x="3226130" y="-59827"/>
+            <a:ext cx="8965870" cy="5051835"/>
+          </a:xfrm>
+          <a:prstGeom prst="rect">
+            <a:avLst/>
+          </a:prstGeom>
+        </p:spPr>
+      </p:pic>
+      <p:pic>
+        <p:nvPicPr>
+          <p:cNvPr id="3" name="Picture 2">
+            <a:extLst>
+              <a:ext uri="{FF2B5EF4-FFF2-40B4-BE49-F238E27FC236}">
+                <a16:creationId xmlns:a16="http://schemas.microsoft.com/office/drawing/2014/main" id="{AEF2B030-1B75-5A43-B2F9-93E758E2BCEA}"/>
+              </a:ext>
+            </a:extLst>
+          </p:cNvPr>
+          <p:cNvPicPr>
+            <a:picLocks noChangeAspect="1"/>
+          </p:cNvPicPr>
+          <p:nvPr/>
+        </p:nvPicPr>
+        <p:blipFill>
+          <a:blip r:embed="rId3"/>
+          <a:stretch>
+            <a:fillRect/>
+          </a:stretch>
+        </p:blipFill>
+        <p:spPr>
+          <a:xfrm>
+            <a:off x="3226129" y="4992007"/>
+            <a:ext cx="8965871" cy="1865993"/>
+          </a:xfrm>
+          <a:prstGeom prst="rect">
+            <a:avLst/>
+          </a:prstGeom>
+        </p:spPr>
+      </p:pic>
+      <p:sp>
+        <p:nvSpPr>
+          <p:cNvPr id="5" name="TextBox 4">
+            <a:extLst>
+              <a:ext uri="{FF2B5EF4-FFF2-40B4-BE49-F238E27FC236}">
+                <a16:creationId xmlns:a16="http://schemas.microsoft.com/office/drawing/2014/main" id="{ED427F56-FB3A-E049-BB35-8058CE9E2C5A}"/>
+              </a:ext>
+            </a:extLst>
+          </p:cNvPr>
+          <p:cNvSpPr txBox="1"/>
+          <p:nvPr/>
+        </p:nvSpPr>
+        <p:spPr>
+          <a:xfrm>
+            <a:off x="142504" y="1733798"/>
+            <a:ext cx="2952995" cy="1938992"/>
+          </a:xfrm>
+          <a:prstGeom prst="rect">
+            <a:avLst/>
+          </a:prstGeom>
+          <a:noFill/>
+        </p:spPr>
+        <p:txBody>
+          <a:bodyPr wrap="square" rtlCol="0">
+            <a:spAutoFit/>
+          </a:bodyPr>
+          <a:lstStyle/>
+          <a:p>
+            <a:r>
+              <a:rPr lang="en-US" sz="4000" b="1" dirty="0"/>
+              <a:t>Step 8: </a:t>
+            </a:r>
+          </a:p>
+          <a:p>
+            <a:endParaRPr lang="en-US" sz="4000" b="1" dirty="0"/>
+          </a:p>
+          <a:p>
+            <a:r>
+              <a:rPr lang="en-US" sz="4000" b="1" dirty="0"/>
+              <a:t>Census API</a:t>
+            </a:r>
+          </a:p>
+        </p:txBody>
+      </p:sp>
+    </p:spTree>
+    <p:extLst>
+      <p:ext uri="{BB962C8B-B14F-4D97-AF65-F5344CB8AC3E}">
+        <p14:creationId xmlns:p14="http://schemas.microsoft.com/office/powerpoint/2010/main" val="1836818394"/>
+      </p:ext>
+    </p:extLst>
+  </p:cSld>
+  <p:clrMapOvr>
+    <a:masterClrMapping/>
+  </p:clrMapOvr>
+</p:sld>
+</file>
+
+<file path=ppt/slides/slide13.xml><?xml version="1.0" encoding="utf-8"?>
+<p:sld xmlns:a="http://schemas.openxmlformats.org/drawingml/2006/main" xmlns:r="http://schemas.openxmlformats.org/officeDocument/2006/relationships" xmlns:p="http://schemas.openxmlformats.org/presentationml/2006/main">
+  <p:cSld>
+    <p:spTree>
+      <p:nvGrpSpPr>
+        <p:cNvPr id="1" name=""/>
+        <p:cNvGrpSpPr/>
+        <p:nvPr/>
+      </p:nvGrpSpPr>
+      <p:grpSpPr>
+        <a:xfrm>
+          <a:off x="0" y="0"/>
+          <a:ext cx="0" cy="0"/>
+          <a:chOff x="0" y="0"/>
+          <a:chExt cx="0" cy="0"/>
+        </a:xfrm>
+      </p:grpSpPr>
+      <p:sp>
+        <p:nvSpPr>
+          <p:cNvPr id="2" name="Title 1">
+            <a:extLst>
+              <a:ext uri="{FF2B5EF4-FFF2-40B4-BE49-F238E27FC236}">
+                <a16:creationId xmlns:a16="http://schemas.microsoft.com/office/drawing/2014/main" id="{CE488EB2-5008-DE49-A9B3-F8D40B41BB4B}"/>
+              </a:ext>
+            </a:extLst>
+          </p:cNvPr>
+          <p:cNvSpPr>
+            <a:spLocks noGrp="1"/>
+          </p:cNvSpPr>
+          <p:nvPr>
+            <p:ph type="title"/>
+          </p:nvPr>
+        </p:nvSpPr>
+        <p:spPr/>
+        <p:txBody>
+          <a:bodyPr/>
+          <a:lstStyle/>
+          <a:p>
+            <a:r>
+              <a:rPr lang="en-US" dirty="0"/>
+              <a:t>Step 9: Merge</a:t>
+            </a:r>
+          </a:p>
+        </p:txBody>
+      </p:sp>
+      <p:pic>
+        <p:nvPicPr>
+          <p:cNvPr id="4" name="Picture 3">
+            <a:extLst>
+              <a:ext uri="{FF2B5EF4-FFF2-40B4-BE49-F238E27FC236}">
+                <a16:creationId xmlns:a16="http://schemas.microsoft.com/office/drawing/2014/main" id="{B6C6D84F-D85B-824F-896B-D01628A889CA}"/>
+              </a:ext>
+            </a:extLst>
+          </p:cNvPr>
+          <p:cNvPicPr>
+            <a:picLocks noChangeAspect="1"/>
+          </p:cNvPicPr>
+          <p:nvPr/>
+        </p:nvPicPr>
+        <p:blipFill>
+          <a:blip r:embed="rId2"/>
+          <a:stretch>
+            <a:fillRect/>
+          </a:stretch>
+        </p:blipFill>
+        <p:spPr>
+          <a:xfrm>
+            <a:off x="510539" y="2356425"/>
+            <a:ext cx="10672371" cy="2449397"/>
+          </a:xfrm>
+          <a:prstGeom prst="rect">
+            <a:avLst/>
+          </a:prstGeom>
+        </p:spPr>
+      </p:pic>
+      <p:pic>
+        <p:nvPicPr>
+          <p:cNvPr id="6" name="Picture 5">
+            <a:extLst>
+              <a:ext uri="{FF2B5EF4-FFF2-40B4-BE49-F238E27FC236}">
+                <a16:creationId xmlns:a16="http://schemas.microsoft.com/office/drawing/2014/main" id="{A71BCD6D-6252-664A-AB85-D3B4813E2BD8}"/>
+              </a:ext>
+            </a:extLst>
+          </p:cNvPr>
+          <p:cNvPicPr>
+            <a:picLocks noChangeAspect="1"/>
+          </p:cNvPicPr>
+          <p:nvPr/>
+        </p:nvPicPr>
+        <p:blipFill>
+          <a:blip r:embed="rId3"/>
+          <a:stretch>
+            <a:fillRect/>
+          </a:stretch>
+        </p:blipFill>
+        <p:spPr>
+          <a:xfrm>
+            <a:off x="547987" y="5351488"/>
+            <a:ext cx="10597474" cy="1025562"/>
+          </a:xfrm>
+          <a:prstGeom prst="rect">
+            <a:avLst/>
+          </a:prstGeom>
+        </p:spPr>
+      </p:pic>
+    </p:spTree>
+    <p:extLst>
+      <p:ext uri="{BB962C8B-B14F-4D97-AF65-F5344CB8AC3E}">
+        <p14:creationId xmlns:p14="http://schemas.microsoft.com/office/powerpoint/2010/main" val="613705231"/>
+      </p:ext>
+    </p:extLst>
+  </p:cSld>
+  <p:clrMapOvr>
+    <a:masterClrMapping/>
+  </p:clrMapOvr>
+</p:sld>
+</file>
+
+<file path=ppt/slides/slide14.xml><?xml version="1.0" encoding="utf-8"?>
+<p:sld xmlns:a="http://schemas.openxmlformats.org/drawingml/2006/main" xmlns:r="http://schemas.openxmlformats.org/officeDocument/2006/relationships" xmlns:p="http://schemas.openxmlformats.org/presentationml/2006/main">
+  <p:cSld>
+    <p:spTree>
+      <p:nvGrpSpPr>
+        <p:cNvPr id="1" name=""/>
+        <p:cNvGrpSpPr/>
+        <p:nvPr/>
+      </p:nvGrpSpPr>
+      <p:grpSpPr>
+        <a:xfrm>
+          <a:off x="0" y="0"/>
+          <a:ext cx="0" cy="0"/>
+          <a:chOff x="0" y="0"/>
+          <a:chExt cx="0" cy="0"/>
+        </a:xfrm>
+      </p:grpSpPr>
+      <p:sp>
+        <p:nvSpPr>
+          <p:cNvPr id="2" name="Title 1">
+            <a:extLst>
+              <a:ext uri="{FF2B5EF4-FFF2-40B4-BE49-F238E27FC236}">
+                <a16:creationId xmlns:a16="http://schemas.microsoft.com/office/drawing/2014/main" id="{1677A2F4-0F45-8249-B729-5494FCB85469}"/>
+              </a:ext>
+            </a:extLst>
+          </p:cNvPr>
+          <p:cNvSpPr>
+            <a:spLocks noGrp="1"/>
+          </p:cNvSpPr>
+          <p:nvPr>
+            <p:ph type="title"/>
+          </p:nvPr>
+        </p:nvSpPr>
+        <p:spPr/>
+        <p:txBody>
+          <a:bodyPr/>
+          <a:lstStyle/>
+          <a:p>
+            <a:r>
+              <a:rPr lang="en-US" dirty="0"/>
+              <a:t>Step 10: Grey Scale and Regression </a:t>
+            </a:r>
+          </a:p>
+        </p:txBody>
+      </p:sp>
+      <p:pic>
+        <p:nvPicPr>
+          <p:cNvPr id="8" name="Picture 7">
+            <a:extLst>
+              <a:ext uri="{FF2B5EF4-FFF2-40B4-BE49-F238E27FC236}">
+                <a16:creationId xmlns:a16="http://schemas.microsoft.com/office/drawing/2014/main" id="{4CA425E8-40FF-5348-8603-4F24B9FBE907}"/>
+              </a:ext>
+            </a:extLst>
+          </p:cNvPr>
+          <p:cNvPicPr>
+            <a:picLocks noChangeAspect="1"/>
+          </p:cNvPicPr>
+          <p:nvPr/>
+        </p:nvPicPr>
+        <p:blipFill>
+          <a:blip r:embed="rId2"/>
+          <a:stretch>
+            <a:fillRect/>
+          </a:stretch>
+        </p:blipFill>
+        <p:spPr>
+          <a:xfrm>
+            <a:off x="-2" y="2558391"/>
+            <a:ext cx="12192001" cy="3353546"/>
+          </a:xfrm>
+          <a:prstGeom prst="rect">
+            <a:avLst/>
+          </a:prstGeom>
+        </p:spPr>
+      </p:pic>
+      <p:pic>
+        <p:nvPicPr>
+          <p:cNvPr id="9" name="Picture 8">
+            <a:extLst>
+              <a:ext uri="{FF2B5EF4-FFF2-40B4-BE49-F238E27FC236}">
+                <a16:creationId xmlns:a16="http://schemas.microsoft.com/office/drawing/2014/main" id="{D0B6B99D-07DE-D54C-B8F4-78BE78613559}"/>
+              </a:ext>
+            </a:extLst>
+          </p:cNvPr>
+          <p:cNvPicPr>
+            <a:picLocks noChangeAspect="1"/>
+          </p:cNvPicPr>
+          <p:nvPr/>
+        </p:nvPicPr>
+        <p:blipFill>
+          <a:blip r:embed="rId3"/>
+          <a:stretch>
+            <a:fillRect/>
+          </a:stretch>
+        </p:blipFill>
+        <p:spPr>
+          <a:xfrm>
+            <a:off x="0" y="5995064"/>
+            <a:ext cx="12200853" cy="524767"/>
+          </a:xfrm>
+          <a:prstGeom prst="rect">
+            <a:avLst/>
+          </a:prstGeom>
+        </p:spPr>
+      </p:pic>
+    </p:spTree>
+    <p:extLst>
+      <p:ext uri="{BB962C8B-B14F-4D97-AF65-F5344CB8AC3E}">
+        <p14:creationId xmlns:p14="http://schemas.microsoft.com/office/powerpoint/2010/main" val="3626886341"/>
+      </p:ext>
+    </p:extLst>
+  </p:cSld>
+  <p:clrMapOvr>
+    <a:masterClrMapping/>
+  </p:clrMapOvr>
+</p:sld>
+</file>
+
+<file path=ppt/slides/slide15.xml><?xml version="1.0" encoding="utf-8"?>
+<p:sld xmlns:a="http://schemas.openxmlformats.org/drawingml/2006/main" xmlns:r="http://schemas.openxmlformats.org/officeDocument/2006/relationships" xmlns:p="http://schemas.openxmlformats.org/presentationml/2006/main">
+  <p:cSld>
+    <p:spTree>
+      <p:nvGrpSpPr>
+        <p:cNvPr id="1" name=""/>
+        <p:cNvGrpSpPr/>
+        <p:nvPr/>
+      </p:nvGrpSpPr>
+      <p:grpSpPr>
+        <a:xfrm>
+          <a:off x="0" y="0"/>
+          <a:ext cx="0" cy="0"/>
+          <a:chOff x="0" y="0"/>
+          <a:chExt cx="0" cy="0"/>
+        </a:xfrm>
+      </p:grpSpPr>
+      <p:sp>
+        <p:nvSpPr>
+          <p:cNvPr id="2" name="Title 1">
+            <a:extLst>
+              <a:ext uri="{FF2B5EF4-FFF2-40B4-BE49-F238E27FC236}">
+                <a16:creationId xmlns:a16="http://schemas.microsoft.com/office/drawing/2014/main" id="{0C86E11C-15DF-9A41-A83B-D294230C9322}"/>
+              </a:ext>
+            </a:extLst>
+          </p:cNvPr>
+          <p:cNvSpPr>
+            <a:spLocks noGrp="1"/>
+          </p:cNvSpPr>
+          <p:nvPr>
+            <p:ph type="title"/>
+          </p:nvPr>
+        </p:nvSpPr>
+        <p:spPr/>
+        <p:txBody>
+          <a:bodyPr/>
+          <a:lstStyle/>
+          <a:p>
+            <a:r>
+              <a:rPr lang="en-US" dirty="0"/>
+              <a:t>Step 11: Regression and Grey Scale Chart</a:t>
+            </a:r>
+          </a:p>
+        </p:txBody>
+      </p:sp>
+      <p:pic>
+        <p:nvPicPr>
+          <p:cNvPr id="6" name="Picture 5">
+            <a:extLst>
+              <a:ext uri="{FF2B5EF4-FFF2-40B4-BE49-F238E27FC236}">
+                <a16:creationId xmlns:a16="http://schemas.microsoft.com/office/drawing/2014/main" id="{8114161D-3617-B64E-9F7B-161813133AA4}"/>
+              </a:ext>
+            </a:extLst>
+          </p:cNvPr>
+          <p:cNvPicPr>
+            <a:picLocks noChangeAspect="1"/>
+          </p:cNvPicPr>
+          <p:nvPr/>
+        </p:nvPicPr>
+        <p:blipFill>
+          <a:blip r:embed="rId2"/>
+          <a:stretch>
+            <a:fillRect/>
+          </a:stretch>
+        </p:blipFill>
+        <p:spPr>
+          <a:xfrm>
+            <a:off x="256307" y="2258426"/>
+            <a:ext cx="4655129" cy="4302690"/>
+          </a:xfrm>
+          <a:prstGeom prst="rect">
+            <a:avLst/>
+          </a:prstGeom>
+        </p:spPr>
+      </p:pic>
+      <p:pic>
+        <p:nvPicPr>
+          <p:cNvPr id="13" name="Picture 12">
+            <a:extLst>
+              <a:ext uri="{FF2B5EF4-FFF2-40B4-BE49-F238E27FC236}">
+                <a16:creationId xmlns:a16="http://schemas.microsoft.com/office/drawing/2014/main" id="{A46DF150-5FBC-054E-9555-3815D86D73FA}"/>
+              </a:ext>
+            </a:extLst>
+          </p:cNvPr>
+          <p:cNvPicPr>
+            <a:picLocks noChangeAspect="1"/>
+          </p:cNvPicPr>
+          <p:nvPr/>
+        </p:nvPicPr>
+        <p:blipFill>
+          <a:blip r:embed="rId3"/>
+          <a:stretch>
+            <a:fillRect/>
+          </a:stretch>
+        </p:blipFill>
+        <p:spPr>
+          <a:xfrm>
+            <a:off x="5211289" y="2258426"/>
+            <a:ext cx="6764054" cy="4302690"/>
+          </a:xfrm>
+          <a:prstGeom prst="rect">
+            <a:avLst/>
+          </a:prstGeom>
+        </p:spPr>
+      </p:pic>
+    </p:spTree>
+    <p:extLst>
+      <p:ext uri="{BB962C8B-B14F-4D97-AF65-F5344CB8AC3E}">
+        <p14:creationId xmlns:p14="http://schemas.microsoft.com/office/powerpoint/2010/main" val="4144855150"/>
+      </p:ext>
+    </p:extLst>
+  </p:cSld>
+  <p:clrMapOvr>
+    <a:masterClrMapping/>
+  </p:clrMapOvr>
+</p:sld>
+</file>
+
+<file path=ppt/slides/slide16.xml><?xml version="1.0" encoding="utf-8"?>
+<p:sld xmlns:a="http://schemas.openxmlformats.org/drawingml/2006/main" xmlns:r="http://schemas.openxmlformats.org/officeDocument/2006/relationships" xmlns:p="http://schemas.openxmlformats.org/presentationml/2006/main">
+  <p:cSld>
+    <p:spTree>
+      <p:nvGrpSpPr>
+        <p:cNvPr id="1" name=""/>
+        <p:cNvGrpSpPr/>
+        <p:nvPr/>
+      </p:nvGrpSpPr>
+      <p:grpSpPr>
+        <a:xfrm>
+          <a:off x="0" y="0"/>
+          <a:ext cx="0" cy="0"/>
+          <a:chOff x="0" y="0"/>
+          <a:chExt cx="0" cy="0"/>
+        </a:xfrm>
+      </p:grpSpPr>
+      <p:sp>
+        <p:nvSpPr>
+          <p:cNvPr id="2" name="Title 1">
+            <a:extLst>
+              <a:ext uri="{FF2B5EF4-FFF2-40B4-BE49-F238E27FC236}">
+                <a16:creationId xmlns:a16="http://schemas.microsoft.com/office/drawing/2014/main" id="{D7A6BDCE-60F7-B44B-AA34-0D587A586D95}"/>
+              </a:ext>
+            </a:extLst>
+          </p:cNvPr>
+          <p:cNvSpPr>
+            <a:spLocks noGrp="1"/>
+          </p:cNvSpPr>
+          <p:nvPr>
+            <p:ph type="title"/>
+          </p:nvPr>
+        </p:nvSpPr>
+        <p:spPr/>
+        <p:txBody>
+          <a:bodyPr/>
+          <a:lstStyle/>
+          <a:p>
+            <a:r>
+              <a:rPr lang="en-US" dirty="0"/>
+              <a:t>Conclusion</a:t>
+            </a:r>
+          </a:p>
+        </p:txBody>
+      </p:sp>
+    </p:spTree>
+    <p:extLst>
+      <p:ext uri="{BB962C8B-B14F-4D97-AF65-F5344CB8AC3E}">
+        <p14:creationId xmlns:p14="http://schemas.microsoft.com/office/powerpoint/2010/main" val="457526127"/>
       </p:ext>
     </p:extLst>
   </p:cSld>
@@ -5509,7 +6308,10 @@
           <a:bodyPr/>
           <a:lstStyle/>
           <a:p>
-            <a:endParaRPr lang="en-US"/>
+            <a:r>
+              <a:rPr lang="en-US" dirty="0"/>
+              <a:t>Blue Print</a:t>
+            </a:r>
           </a:p>
         </p:txBody>
       </p:sp>
@@ -5531,10 +6333,85 @@
         </p:nvSpPr>
         <p:spPr/>
         <p:txBody>
-          <a:bodyPr/>
+          <a:bodyPr>
+            <a:normAutofit fontScale="92500" lnSpcReduction="20000"/>
+          </a:bodyPr>
           <a:lstStyle/>
           <a:p>
-            <a:endParaRPr lang="en-US"/>
+            <a:r>
+              <a:rPr lang="en-US" dirty="0"/>
+              <a:t>1) tell story of </a:t>
+            </a:r>
+            <a:r>
+              <a:rPr lang="en-US" dirty="0" err="1"/>
+              <a:t>jim</a:t>
+            </a:r>
+            <a:r>
+              <a:rPr lang="en-US" dirty="0"/>
+              <a:t> losing dogs, got data</a:t>
+            </a:r>
+          </a:p>
+          <a:p>
+            <a:r>
+              <a:rPr lang="en-US" dirty="0"/>
+              <a:t>2) Early troubles</a:t>
+            </a:r>
+          </a:p>
+          <a:p>
+            <a:pPr lvl="1"/>
+            <a:r>
+              <a:rPr lang="en-US" dirty="0"/>
+              <a:t>Data is self submitted, missing or inconsistent</a:t>
+            </a:r>
+          </a:p>
+          <a:p>
+            <a:pPr lvl="1"/>
+            <a:r>
+              <a:rPr lang="en-US" dirty="0"/>
+              <a:t>Couldn’t use as csv, looked at other sources for data</a:t>
+            </a:r>
+          </a:p>
+          <a:p>
+            <a:r>
+              <a:rPr lang="en-US" dirty="0"/>
+              <a:t>3) aggregate</a:t>
+            </a:r>
+          </a:p>
+          <a:p>
+            <a:r>
+              <a:rPr lang="en-US" dirty="0"/>
+              <a:t>4)stacked bar</a:t>
+            </a:r>
+          </a:p>
+          <a:p>
+            <a:r>
+              <a:rPr lang="en-US" dirty="0"/>
+              <a:t>scatter</a:t>
+            </a:r>
+          </a:p>
+          <a:p>
+            <a:r>
+              <a:rPr lang="en-US" dirty="0"/>
+              <a:t>5) trend</a:t>
+            </a:r>
+          </a:p>
+          <a:p>
+            <a:pPr marL="0" indent="0">
+              <a:buNone/>
+            </a:pPr>
+            <a:endParaRPr lang="en-US" dirty="0"/>
+          </a:p>
+          <a:p>
+            <a:r>
+              <a:rPr lang="en-US" dirty="0"/>
+              <a:t>7) what we’d do next time</a:t>
+            </a:r>
+          </a:p>
+          <a:p>
+            <a:r>
+              <a:rPr lang="en-US" dirty="0"/>
+              <a:t>8) summarization</a:t>
+            </a:r>
           </a:p>
         </p:txBody>
       </p:sp>
@@ -5542,6 +6419,1376 @@
     <p:extLst>
       <p:ext uri="{BB962C8B-B14F-4D97-AF65-F5344CB8AC3E}">
         <p14:creationId xmlns:p14="http://schemas.microsoft.com/office/powerpoint/2010/main" val="1399121575"/>
+      </p:ext>
+    </p:extLst>
+  </p:cSld>
+  <p:clrMapOvr>
+    <a:masterClrMapping/>
+  </p:clrMapOvr>
+</p:sld>
+</file>
+
+<file path=ppt/slides/slide3.xml><?xml version="1.0" encoding="utf-8"?>
+<p:sld xmlns:a="http://schemas.openxmlformats.org/drawingml/2006/main" xmlns:r="http://schemas.openxmlformats.org/officeDocument/2006/relationships" xmlns:p="http://schemas.openxmlformats.org/presentationml/2006/main">
+  <p:cSld>
+    <p:spTree>
+      <p:nvGrpSpPr>
+        <p:cNvPr id="1" name=""/>
+        <p:cNvGrpSpPr/>
+        <p:nvPr/>
+      </p:nvGrpSpPr>
+      <p:grpSpPr>
+        <a:xfrm>
+          <a:off x="0" y="0"/>
+          <a:ext cx="0" cy="0"/>
+          <a:chOff x="0" y="0"/>
+          <a:chExt cx="0" cy="0"/>
+        </a:xfrm>
+      </p:grpSpPr>
+      <p:sp>
+        <p:nvSpPr>
+          <p:cNvPr id="2" name="Title 1">
+            <a:extLst>
+              <a:ext uri="{FF2B5EF4-FFF2-40B4-BE49-F238E27FC236}">
+                <a16:creationId xmlns:a16="http://schemas.microsoft.com/office/drawing/2014/main" id="{11EC9774-8EAF-1C49-BD8C-6DAA31E30225}"/>
+              </a:ext>
+            </a:extLst>
+          </p:cNvPr>
+          <p:cNvSpPr>
+            <a:spLocks noGrp="1"/>
+          </p:cNvSpPr>
+          <p:nvPr>
+            <p:ph type="title"/>
+          </p:nvPr>
+        </p:nvSpPr>
+        <p:spPr>
+          <a:xfrm>
+            <a:off x="850985" y="1238502"/>
+            <a:ext cx="5893840" cy="2588431"/>
+          </a:xfrm>
+        </p:spPr>
+        <p:txBody>
+          <a:bodyPr/>
+          <a:lstStyle/>
+          <a:p>
+            <a:r>
+              <a:rPr lang="en-US" sz="2800" b="0" dirty="0"/>
+              <a:t>- Jim created an Excel spreadsheet with over 2,000 entries  </a:t>
+            </a:r>
+            <a:br>
+              <a:rPr lang="en-US" sz="2800" b="0" dirty="0"/>
+            </a:br>
+            <a:r>
+              <a:rPr lang="en-US" sz="2800" b="0" dirty="0"/>
+              <a:t>- Entry records something something something</a:t>
+            </a:r>
+          </a:p>
+        </p:txBody>
+      </p:sp>
+      <p:sp>
+        <p:nvSpPr>
+          <p:cNvPr id="3" name="Text Placeholder 2">
+            <a:extLst>
+              <a:ext uri="{FF2B5EF4-FFF2-40B4-BE49-F238E27FC236}">
+                <a16:creationId xmlns:a16="http://schemas.microsoft.com/office/drawing/2014/main" id="{770353EA-5BEB-A442-B848-394B5B5A0368}"/>
+              </a:ext>
+            </a:extLst>
+          </p:cNvPr>
+          <p:cNvSpPr>
+            <a:spLocks noGrp="1"/>
+          </p:cNvSpPr>
+          <p:nvPr>
+            <p:ph type="body" idx="1"/>
+          </p:nvPr>
+        </p:nvSpPr>
+        <p:spPr>
+          <a:xfrm>
+            <a:off x="875650" y="5156921"/>
+            <a:ext cx="5891636" cy="713241"/>
+          </a:xfrm>
+        </p:spPr>
+        <p:txBody>
+          <a:bodyPr/>
+          <a:lstStyle/>
+          <a:p>
+            <a:r>
+              <a:rPr lang="en-US" dirty="0"/>
+              <a:t>An example of Illinois Department of Agriculture Shelter License Renewal Form</a:t>
+            </a:r>
+          </a:p>
+        </p:txBody>
+      </p:sp>
+      <p:sp>
+        <p:nvSpPr>
+          <p:cNvPr id="4" name="Text Placeholder 3">
+            <a:extLst>
+              <a:ext uri="{FF2B5EF4-FFF2-40B4-BE49-F238E27FC236}">
+                <a16:creationId xmlns:a16="http://schemas.microsoft.com/office/drawing/2014/main" id="{D7331A15-0E35-9040-A81E-F2111DECDD52}"/>
+              </a:ext>
+            </a:extLst>
+          </p:cNvPr>
+          <p:cNvSpPr>
+            <a:spLocks noGrp="1"/>
+          </p:cNvSpPr>
+          <p:nvPr>
+            <p:ph type="body" sz="quarter" idx="16"/>
+          </p:nvPr>
+        </p:nvSpPr>
+        <p:spPr/>
+        <p:txBody>
+          <a:bodyPr/>
+          <a:lstStyle/>
+          <a:p>
+            <a:endParaRPr lang="en-US" dirty="0"/>
+          </a:p>
+        </p:txBody>
+      </p:sp>
+      <p:pic>
+        <p:nvPicPr>
+          <p:cNvPr id="6" name="Picture 5">
+            <a:extLst>
+              <a:ext uri="{FF2B5EF4-FFF2-40B4-BE49-F238E27FC236}">
+                <a16:creationId xmlns:a16="http://schemas.microsoft.com/office/drawing/2014/main" id="{2B89E2BC-AEEF-BC47-A00D-43240A2F1332}"/>
+              </a:ext>
+            </a:extLst>
+          </p:cNvPr>
+          <p:cNvPicPr>
+            <a:picLocks noChangeAspect="1"/>
+          </p:cNvPicPr>
+          <p:nvPr/>
+        </p:nvPicPr>
+        <p:blipFill>
+          <a:blip r:embed="rId2"/>
+          <a:stretch>
+            <a:fillRect/>
+          </a:stretch>
+        </p:blipFill>
+        <p:spPr>
+          <a:xfrm>
+            <a:off x="7196666" y="0"/>
+            <a:ext cx="4995333" cy="6858000"/>
+          </a:xfrm>
+          <a:prstGeom prst="rect">
+            <a:avLst/>
+          </a:prstGeom>
+        </p:spPr>
+      </p:pic>
+    </p:spTree>
+    <p:extLst>
+      <p:ext uri="{BB962C8B-B14F-4D97-AF65-F5344CB8AC3E}">
+        <p14:creationId xmlns:p14="http://schemas.microsoft.com/office/powerpoint/2010/main" val="3662729836"/>
+      </p:ext>
+    </p:extLst>
+  </p:cSld>
+  <p:clrMapOvr>
+    <a:masterClrMapping/>
+  </p:clrMapOvr>
+</p:sld>
+</file>
+
+<file path=ppt/slides/slide4.xml><?xml version="1.0" encoding="utf-8"?>
+<p:sld xmlns:a="http://schemas.openxmlformats.org/drawingml/2006/main" xmlns:r="http://schemas.openxmlformats.org/officeDocument/2006/relationships" xmlns:p="http://schemas.openxmlformats.org/presentationml/2006/main">
+  <p:cSld>
+    <p:spTree>
+      <p:nvGrpSpPr>
+        <p:cNvPr id="1" name=""/>
+        <p:cNvGrpSpPr/>
+        <p:nvPr/>
+      </p:nvGrpSpPr>
+      <p:grpSpPr>
+        <a:xfrm>
+          <a:off x="0" y="0"/>
+          <a:ext cx="0" cy="0"/>
+          <a:chOff x="0" y="0"/>
+          <a:chExt cx="0" cy="0"/>
+        </a:xfrm>
+      </p:grpSpPr>
+      <p:sp>
+        <p:nvSpPr>
+          <p:cNvPr id="2" name="Title 1">
+            <a:extLst>
+              <a:ext uri="{FF2B5EF4-FFF2-40B4-BE49-F238E27FC236}">
+                <a16:creationId xmlns:a16="http://schemas.microsoft.com/office/drawing/2014/main" id="{4F189480-A3A5-BC4E-BADC-F441FF52BD37}"/>
+              </a:ext>
+            </a:extLst>
+          </p:cNvPr>
+          <p:cNvSpPr>
+            <a:spLocks noGrp="1"/>
+          </p:cNvSpPr>
+          <p:nvPr>
+            <p:ph type="title"/>
+          </p:nvPr>
+        </p:nvSpPr>
+        <p:spPr/>
+        <p:txBody>
+          <a:bodyPr/>
+          <a:lstStyle/>
+          <a:p>
+            <a:r>
+              <a:rPr lang="en-US" dirty="0"/>
+              <a:t>Early Obstacles</a:t>
+            </a:r>
+          </a:p>
+        </p:txBody>
+      </p:sp>
+      <p:sp>
+        <p:nvSpPr>
+          <p:cNvPr id="3" name="Content Placeholder 2">
+            <a:extLst>
+              <a:ext uri="{FF2B5EF4-FFF2-40B4-BE49-F238E27FC236}">
+                <a16:creationId xmlns:a16="http://schemas.microsoft.com/office/drawing/2014/main" id="{83577DCB-2ECA-CD48-A30F-EE679D6E4BBE}"/>
+              </a:ext>
+            </a:extLst>
+          </p:cNvPr>
+          <p:cNvSpPr>
+            <a:spLocks noGrp="1"/>
+          </p:cNvSpPr>
+          <p:nvPr>
+            <p:ph idx="1"/>
+          </p:nvPr>
+        </p:nvSpPr>
+        <p:spPr>
+          <a:xfrm>
+            <a:off x="7202578" y="2222287"/>
+            <a:ext cx="4684621" cy="3636511"/>
+          </a:xfrm>
+        </p:spPr>
+        <p:txBody>
+          <a:bodyPr/>
+          <a:lstStyle/>
+          <a:p>
+            <a:r>
+              <a:rPr lang="en-US" dirty="0"/>
+              <a:t>Difficulty importing from Excel and utilizing CSV</a:t>
+            </a:r>
+          </a:p>
+          <a:p>
+            <a:r>
+              <a:rPr lang="en-US" dirty="0"/>
+              <a:t>Self-submitted information</a:t>
+            </a:r>
+          </a:p>
+        </p:txBody>
+      </p:sp>
+      <p:pic>
+        <p:nvPicPr>
+          <p:cNvPr id="4" name="Picture 3">
+            <a:extLst>
+              <a:ext uri="{FF2B5EF4-FFF2-40B4-BE49-F238E27FC236}">
+                <a16:creationId xmlns:a16="http://schemas.microsoft.com/office/drawing/2014/main" id="{64B2730E-6B95-3747-835F-9A110FED9AC5}"/>
+              </a:ext>
+            </a:extLst>
+          </p:cNvPr>
+          <p:cNvPicPr>
+            <a:picLocks noChangeAspect="1"/>
+          </p:cNvPicPr>
+          <p:nvPr/>
+        </p:nvPicPr>
+        <p:blipFill>
+          <a:blip r:embed="rId2"/>
+          <a:stretch>
+            <a:fillRect/>
+          </a:stretch>
+        </p:blipFill>
+        <p:spPr>
+          <a:xfrm>
+            <a:off x="491576" y="2222287"/>
+            <a:ext cx="6247889" cy="4144433"/>
+          </a:xfrm>
+          <a:prstGeom prst="rect">
+            <a:avLst/>
+          </a:prstGeom>
+        </p:spPr>
+      </p:pic>
+    </p:spTree>
+    <p:extLst>
+      <p:ext uri="{BB962C8B-B14F-4D97-AF65-F5344CB8AC3E}">
+        <p14:creationId xmlns:p14="http://schemas.microsoft.com/office/powerpoint/2010/main" val="1060635711"/>
+      </p:ext>
+    </p:extLst>
+  </p:cSld>
+  <p:clrMapOvr>
+    <a:masterClrMapping/>
+  </p:clrMapOvr>
+</p:sld>
+</file>
+
+<file path=ppt/slides/slide5.xml><?xml version="1.0" encoding="utf-8"?>
+<p:sld xmlns:a="http://schemas.openxmlformats.org/drawingml/2006/main" xmlns:r="http://schemas.openxmlformats.org/officeDocument/2006/relationships" xmlns:p="http://schemas.openxmlformats.org/presentationml/2006/main">
+  <p:cSld>
+    <p:spTree>
+      <p:nvGrpSpPr>
+        <p:cNvPr id="1" name=""/>
+        <p:cNvGrpSpPr/>
+        <p:nvPr/>
+      </p:nvGrpSpPr>
+      <p:grpSpPr>
+        <a:xfrm>
+          <a:off x="0" y="0"/>
+          <a:ext cx="0" cy="0"/>
+          <a:chOff x="0" y="0"/>
+          <a:chExt cx="0" cy="0"/>
+        </a:xfrm>
+      </p:grpSpPr>
+      <p:sp>
+        <p:nvSpPr>
+          <p:cNvPr id="2" name="Title 1">
+            <a:extLst>
+              <a:ext uri="{FF2B5EF4-FFF2-40B4-BE49-F238E27FC236}">
+                <a16:creationId xmlns:a16="http://schemas.microsoft.com/office/drawing/2014/main" id="{444BFF3E-752D-4244-A0CC-15770CF0DC32}"/>
+              </a:ext>
+            </a:extLst>
+          </p:cNvPr>
+          <p:cNvSpPr>
+            <a:spLocks noGrp="1"/>
+          </p:cNvSpPr>
+          <p:nvPr>
+            <p:ph type="title"/>
+          </p:nvPr>
+        </p:nvSpPr>
+        <p:spPr/>
+        <p:txBody>
+          <a:bodyPr/>
+          <a:lstStyle/>
+          <a:p>
+            <a:r>
+              <a:rPr lang="en-US" dirty="0"/>
+              <a:t>Step 1: Top-Down View</a:t>
+            </a:r>
+          </a:p>
+        </p:txBody>
+      </p:sp>
+      <p:pic>
+        <p:nvPicPr>
+          <p:cNvPr id="15" name="Content Placeholder 14">
+            <a:extLst>
+              <a:ext uri="{FF2B5EF4-FFF2-40B4-BE49-F238E27FC236}">
+                <a16:creationId xmlns:a16="http://schemas.microsoft.com/office/drawing/2014/main" id="{7FE86E3F-07EB-3844-B424-01D209798C9C}"/>
+              </a:ext>
+            </a:extLst>
+          </p:cNvPr>
+          <p:cNvPicPr>
+            <a:picLocks noGrp="1" noChangeAspect="1"/>
+          </p:cNvPicPr>
+          <p:nvPr>
+            <p:ph idx="1"/>
+          </p:nvPr>
+        </p:nvPicPr>
+        <p:blipFill>
+          <a:blip r:embed="rId2"/>
+          <a:stretch>
+            <a:fillRect/>
+          </a:stretch>
+        </p:blipFill>
+        <p:spPr>
+          <a:xfrm>
+            <a:off x="810000" y="2357967"/>
+            <a:ext cx="5566978" cy="3636963"/>
+          </a:xfrm>
+        </p:spPr>
+      </p:pic>
+      <p:sp>
+        <p:nvSpPr>
+          <p:cNvPr id="16" name="TextBox 15">
+            <a:extLst>
+              <a:ext uri="{FF2B5EF4-FFF2-40B4-BE49-F238E27FC236}">
+                <a16:creationId xmlns:a16="http://schemas.microsoft.com/office/drawing/2014/main" id="{934EB1C5-21B8-1542-975B-AA8EDE456901}"/>
+              </a:ext>
+            </a:extLst>
+          </p:cNvPr>
+          <p:cNvSpPr txBox="1"/>
+          <p:nvPr/>
+        </p:nvSpPr>
+        <p:spPr>
+          <a:xfrm>
+            <a:off x="6759259" y="3160785"/>
+            <a:ext cx="4902310" cy="2031325"/>
+          </a:xfrm>
+          <a:prstGeom prst="rect">
+            <a:avLst/>
+          </a:prstGeom>
+          <a:noFill/>
+        </p:spPr>
+        <p:txBody>
+          <a:bodyPr wrap="square" rtlCol="0">
+            <a:spAutoFit/>
+          </a:bodyPr>
+          <a:lstStyle/>
+          <a:p>
+            <a:r>
+              <a:rPr lang="en-US" dirty="0"/>
+              <a:t>Total Animals Received = 526,339 Animals</a:t>
+            </a:r>
+          </a:p>
+          <a:p>
+            <a:endParaRPr lang="en-US" dirty="0"/>
+          </a:p>
+          <a:p>
+            <a:r>
+              <a:rPr lang="en-US" dirty="0"/>
+              <a:t>Total Adopted = 225, 642 Animals</a:t>
+            </a:r>
+          </a:p>
+          <a:p>
+            <a:endParaRPr lang="en-US" dirty="0"/>
+          </a:p>
+          <a:p>
+            <a:r>
+              <a:rPr lang="en-US" dirty="0"/>
+              <a:t>Total Reclaimed = 71,756 Animals</a:t>
+            </a:r>
+          </a:p>
+          <a:p>
+            <a:endParaRPr lang="en-US" dirty="0"/>
+          </a:p>
+          <a:p>
+            <a:r>
+              <a:rPr lang="en-US" dirty="0"/>
+              <a:t>Total Euthanized = 176,340 Animals</a:t>
+            </a:r>
+          </a:p>
+        </p:txBody>
+      </p:sp>
+    </p:spTree>
+    <p:extLst>
+      <p:ext uri="{BB962C8B-B14F-4D97-AF65-F5344CB8AC3E}">
+        <p14:creationId xmlns:p14="http://schemas.microsoft.com/office/powerpoint/2010/main" val="2086134353"/>
+      </p:ext>
+    </p:extLst>
+  </p:cSld>
+  <p:clrMapOvr>
+    <a:masterClrMapping/>
+  </p:clrMapOvr>
+</p:sld>
+</file>
+
+<file path=ppt/slides/slide6.xml><?xml version="1.0" encoding="utf-8"?>
+<p:sld xmlns:a="http://schemas.openxmlformats.org/drawingml/2006/main" xmlns:r="http://schemas.openxmlformats.org/officeDocument/2006/relationships" xmlns:p="http://schemas.openxmlformats.org/presentationml/2006/main">
+  <p:cSld>
+    <p:spTree>
+      <p:nvGrpSpPr>
+        <p:cNvPr id="1" name=""/>
+        <p:cNvGrpSpPr/>
+        <p:nvPr/>
+      </p:nvGrpSpPr>
+      <p:grpSpPr>
+        <a:xfrm>
+          <a:off x="0" y="0"/>
+          <a:ext cx="0" cy="0"/>
+          <a:chOff x="0" y="0"/>
+          <a:chExt cx="0" cy="0"/>
+        </a:xfrm>
+      </p:grpSpPr>
+      <p:sp>
+        <p:nvSpPr>
+          <p:cNvPr id="2" name="Title 1">
+            <a:extLst>
+              <a:ext uri="{FF2B5EF4-FFF2-40B4-BE49-F238E27FC236}">
+                <a16:creationId xmlns:a16="http://schemas.microsoft.com/office/drawing/2014/main" id="{58DCE53C-42F2-564D-9AF0-03C2B385E091}"/>
+              </a:ext>
+            </a:extLst>
+          </p:cNvPr>
+          <p:cNvSpPr>
+            <a:spLocks noGrp="1"/>
+          </p:cNvSpPr>
+          <p:nvPr>
+            <p:ph type="title"/>
+          </p:nvPr>
+        </p:nvSpPr>
+        <p:spPr/>
+        <p:txBody>
+          <a:bodyPr/>
+          <a:lstStyle/>
+          <a:p>
+            <a:r>
+              <a:rPr lang="en-US" dirty="0"/>
+              <a:t>Step 2: Pie Chart</a:t>
+            </a:r>
+          </a:p>
+        </p:txBody>
+      </p:sp>
+      <p:pic>
+        <p:nvPicPr>
+          <p:cNvPr id="6" name="Content Placeholder 3">
+            <a:extLst>
+              <a:ext uri="{FF2B5EF4-FFF2-40B4-BE49-F238E27FC236}">
+                <a16:creationId xmlns:a16="http://schemas.microsoft.com/office/drawing/2014/main" id="{FBB3C401-023C-B242-8FFF-C3FD17109433}"/>
+              </a:ext>
+            </a:extLst>
+          </p:cNvPr>
+          <p:cNvPicPr>
+            <a:picLocks noGrp="1" noChangeAspect="1"/>
+          </p:cNvPicPr>
+          <p:nvPr>
+            <p:ph sz="half" idx="2"/>
+          </p:nvPr>
+        </p:nvPicPr>
+        <p:blipFill>
+          <a:blip r:embed="rId2"/>
+          <a:stretch>
+            <a:fillRect/>
+          </a:stretch>
+        </p:blipFill>
+        <p:spPr>
+          <a:xfrm>
+            <a:off x="142874" y="2770717"/>
+            <a:ext cx="6907469" cy="3037416"/>
+          </a:xfrm>
+          <a:prstGeom prst="roundRect">
+            <a:avLst>
+              <a:gd name="adj" fmla="val 3876"/>
+            </a:avLst>
+          </a:prstGeom>
+          <a:ln>
+            <a:solidFill>
+              <a:schemeClr val="accent1"/>
+            </a:solidFill>
+          </a:ln>
+          <a:effectLst/>
+        </p:spPr>
+      </p:pic>
+      <p:pic>
+        <p:nvPicPr>
+          <p:cNvPr id="5" name="Content Placeholder 4">
+            <a:extLst>
+              <a:ext uri="{FF2B5EF4-FFF2-40B4-BE49-F238E27FC236}">
+                <a16:creationId xmlns:a16="http://schemas.microsoft.com/office/drawing/2014/main" id="{BDDA2DB9-EEE6-D245-8498-4ABBDA5F3F79}"/>
+              </a:ext>
+            </a:extLst>
+          </p:cNvPr>
+          <p:cNvPicPr>
+            <a:picLocks noGrp="1" noChangeAspect="1"/>
+          </p:cNvPicPr>
+          <p:nvPr>
+            <p:ph sz="half" idx="1"/>
+          </p:nvPr>
+        </p:nvPicPr>
+        <p:blipFill>
+          <a:blip r:embed="rId3"/>
+          <a:stretch>
+            <a:fillRect/>
+          </a:stretch>
+        </p:blipFill>
+        <p:spPr>
+          <a:xfrm>
+            <a:off x="6042295" y="2133074"/>
+            <a:ext cx="5969517" cy="4437059"/>
+          </a:xfrm>
+        </p:spPr>
+      </p:pic>
+    </p:spTree>
+    <p:extLst>
+      <p:ext uri="{BB962C8B-B14F-4D97-AF65-F5344CB8AC3E}">
+        <p14:creationId xmlns:p14="http://schemas.microsoft.com/office/powerpoint/2010/main" val="135434279"/>
+      </p:ext>
+    </p:extLst>
+  </p:cSld>
+  <p:clrMapOvr>
+    <a:masterClrMapping/>
+  </p:clrMapOvr>
+</p:sld>
+</file>
+
+<file path=ppt/slides/slide7.xml><?xml version="1.0" encoding="utf-8"?>
+<p:sld xmlns:a="http://schemas.openxmlformats.org/drawingml/2006/main" xmlns:r="http://schemas.openxmlformats.org/officeDocument/2006/relationships" xmlns:p="http://schemas.openxmlformats.org/presentationml/2006/main">
+  <p:cSld>
+    <p:bg>
+      <p:bgPr>
+        <a:solidFill>
+          <a:schemeClr val="bg2"/>
+        </a:solidFill>
+        <a:effectLst/>
+      </p:bgPr>
+    </p:bg>
+    <p:spTree>
+      <p:nvGrpSpPr>
+        <p:cNvPr id="1" name=""/>
+        <p:cNvGrpSpPr/>
+        <p:nvPr/>
+      </p:nvGrpSpPr>
+      <p:grpSpPr>
+        <a:xfrm>
+          <a:off x="0" y="0"/>
+          <a:ext cx="0" cy="0"/>
+          <a:chOff x="0" y="0"/>
+          <a:chExt cx="0" cy="0"/>
+        </a:xfrm>
+      </p:grpSpPr>
+      <p:sp>
+        <p:nvSpPr>
+          <p:cNvPr id="11" name="Freeform 6">
+            <a:extLst>
+              <a:ext uri="{FF2B5EF4-FFF2-40B4-BE49-F238E27FC236}">
+                <a16:creationId xmlns:a16="http://schemas.microsoft.com/office/drawing/2014/main" id="{53576798-7F98-4C7F-B6C7-6D41B5A7E927}"/>
+              </a:ext>
+              <a:ext uri="{C183D7F6-B498-43B3-948B-1728B52AA6E4}">
+                <adec:decorative xmlns:adec="http://schemas.microsoft.com/office/drawing/2017/decorative" val="1"/>
+              </a:ext>
+            </a:extLst>
+          </p:cNvPr>
+          <p:cNvSpPr>
+            <a:spLocks noGrp="1" noRot="1" noChangeAspect="1" noMove="1" noResize="1" noEditPoints="1" noAdjustHandles="1" noChangeArrowheads="1" noChangeShapeType="1" noTextEdit="1"/>
+          </p:cNvSpPr>
+          <p:nvPr>
+            <p:extLst>
+              <p:ext uri="{386F3935-93C4-4BCD-93E2-E3B085C9AB24}">
+                <p16:designElem xmlns:p16="http://schemas.microsoft.com/office/powerpoint/2015/main" val="1"/>
+              </p:ext>
+            </p:extLst>
+          </p:nvPr>
+        </p:nvSpPr>
+        <p:spPr bwMode="auto">
+          <a:xfrm>
+            <a:off x="0" y="0"/>
+            <a:ext cx="12192000" cy="2185988"/>
+          </a:xfrm>
+          <a:custGeom>
+            <a:avLst/>
+            <a:gdLst/>
+            <a:ahLst/>
+            <a:cxnLst/>
+            <a:rect l="0" t="0" r="r" b="b"/>
+            <a:pathLst>
+              <a:path w="5760" h="1377">
+                <a:moveTo>
+                  <a:pt x="5760" y="0"/>
+                </a:moveTo>
+                <a:lnTo>
+                  <a:pt x="0" y="0"/>
+                </a:lnTo>
+                <a:lnTo>
+                  <a:pt x="0" y="1189"/>
+                </a:lnTo>
+                <a:lnTo>
+                  <a:pt x="943" y="1189"/>
+                </a:lnTo>
+                <a:lnTo>
+                  <a:pt x="1123" y="1369"/>
+                </a:lnTo>
+                <a:lnTo>
+                  <a:pt x="1123" y="1369"/>
+                </a:lnTo>
+                <a:lnTo>
+                  <a:pt x="1127" y="1371"/>
+                </a:lnTo>
+                <a:lnTo>
+                  <a:pt x="1133" y="1374"/>
+                </a:lnTo>
+                <a:lnTo>
+                  <a:pt x="1139" y="1377"/>
+                </a:lnTo>
+                <a:lnTo>
+                  <a:pt x="1144" y="1377"/>
+                </a:lnTo>
+                <a:lnTo>
+                  <a:pt x="1150" y="1377"/>
+                </a:lnTo>
+                <a:lnTo>
+                  <a:pt x="1155" y="1374"/>
+                </a:lnTo>
+                <a:lnTo>
+                  <a:pt x="1161" y="1371"/>
+                </a:lnTo>
+                <a:lnTo>
+                  <a:pt x="1165" y="1369"/>
+                </a:lnTo>
+                <a:lnTo>
+                  <a:pt x="1345" y="1189"/>
+                </a:lnTo>
+                <a:lnTo>
+                  <a:pt x="5760" y="1189"/>
+                </a:lnTo>
+                <a:lnTo>
+                  <a:pt x="5760" y="0"/>
+                </a:lnTo>
+                <a:close/>
+              </a:path>
+            </a:pathLst>
+          </a:custGeom>
+          <a:ln/>
+          <a:extLst>
+            <a:ext uri="{91240B29-F687-4f45-9708-019B960494DF}">
+              <a14:hiddenLine xmlns="" xmlns:a16="http://schemas.microsoft.com/office/drawing/2014/main" xmlns:p14="http://schemas.microsoft.com/office/powerpoint/2010/main" xmlns:a14="http://schemas.microsoft.com/office/drawing/2010/main" w="9525">
+                <a:solidFill>
+                  <a:srgbClr val="000000"/>
+                </a:solidFill>
+                <a:round/>
+                <a:headEnd/>
+                <a:tailEnd/>
+              </a14:hiddenLine>
+            </a:ext>
+          </a:extLst>
+        </p:spPr>
+        <p:style>
+          <a:lnRef idx="1">
+            <a:schemeClr val="accent1"/>
+          </a:lnRef>
+          <a:fillRef idx="3">
+            <a:schemeClr val="accent1"/>
+          </a:fillRef>
+          <a:effectRef idx="2">
+            <a:schemeClr val="accent1"/>
+          </a:effectRef>
+          <a:fontRef idx="minor">
+            <a:schemeClr val="lt1"/>
+          </a:fontRef>
+        </p:style>
+      </p:sp>
+      <p:sp>
+        <p:nvSpPr>
+          <p:cNvPr id="2" name="Title 1">
+            <a:extLst>
+              <a:ext uri="{FF2B5EF4-FFF2-40B4-BE49-F238E27FC236}">
+                <a16:creationId xmlns:a16="http://schemas.microsoft.com/office/drawing/2014/main" id="{ACBB4090-2EBE-AF41-9159-A48E13B2AAE0}"/>
+              </a:ext>
+            </a:extLst>
+          </p:cNvPr>
+          <p:cNvSpPr>
+            <a:spLocks noGrp="1"/>
+          </p:cNvSpPr>
+          <p:nvPr>
+            <p:ph type="title"/>
+          </p:nvPr>
+        </p:nvSpPr>
+        <p:spPr>
+          <a:xfrm>
+            <a:off x="810000" y="447188"/>
+            <a:ext cx="10571998" cy="970450"/>
+          </a:xfrm>
+        </p:spPr>
+        <p:txBody>
+          <a:bodyPr vert="horz" lIns="91440" tIns="45720" rIns="91440" bIns="45720" rtlCol="0" anchor="b">
+            <a:normAutofit/>
+          </a:bodyPr>
+          <a:lstStyle/>
+          <a:p>
+            <a:r>
+              <a:rPr lang="en-US" dirty="0"/>
+              <a:t>Step 3: Breakdown by Species</a:t>
+            </a:r>
+          </a:p>
+        </p:txBody>
+      </p:sp>
+      <p:pic>
+        <p:nvPicPr>
+          <p:cNvPr id="6" name="Content Placeholder 5">
+            <a:extLst>
+              <a:ext uri="{FF2B5EF4-FFF2-40B4-BE49-F238E27FC236}">
+                <a16:creationId xmlns:a16="http://schemas.microsoft.com/office/drawing/2014/main" id="{79C0A013-A471-6041-B4A5-B117A6B3BFDD}"/>
+              </a:ext>
+            </a:extLst>
+          </p:cNvPr>
+          <p:cNvPicPr>
+            <a:picLocks noGrp="1" noChangeAspect="1"/>
+          </p:cNvPicPr>
+          <p:nvPr>
+            <p:ph sz="half" idx="1"/>
+          </p:nvPr>
+        </p:nvPicPr>
+        <p:blipFill>
+          <a:blip r:embed="rId2"/>
+          <a:stretch>
+            <a:fillRect/>
+          </a:stretch>
+        </p:blipFill>
+        <p:spPr>
+          <a:xfrm>
+            <a:off x="557289" y="2185988"/>
+            <a:ext cx="4590444" cy="4590444"/>
+          </a:xfrm>
+          <a:prstGeom prst="roundRect">
+            <a:avLst>
+              <a:gd name="adj" fmla="val 3876"/>
+            </a:avLst>
+          </a:prstGeom>
+          <a:ln>
+            <a:solidFill>
+              <a:schemeClr val="accent1"/>
+            </a:solidFill>
+          </a:ln>
+          <a:effectLst/>
+        </p:spPr>
+      </p:pic>
+      <p:graphicFrame>
+        <p:nvGraphicFramePr>
+          <p:cNvPr id="10" name="Content Placeholder 9">
+            <a:extLst>
+              <a:ext uri="{FF2B5EF4-FFF2-40B4-BE49-F238E27FC236}">
+                <a16:creationId xmlns:a16="http://schemas.microsoft.com/office/drawing/2014/main" id="{3BF99CD8-4B26-1140-8451-50F295DE919C}"/>
+              </a:ext>
+            </a:extLst>
+          </p:cNvPr>
+          <p:cNvGraphicFramePr>
+            <a:graphicFrameLocks noGrp="1"/>
+          </p:cNvGraphicFramePr>
+          <p:nvPr>
+            <p:ph sz="half" idx="2"/>
+            <p:extLst>
+              <p:ext uri="{D42A27DB-BD31-4B8C-83A1-F6EECF244321}">
+                <p14:modId xmlns:p14="http://schemas.microsoft.com/office/powerpoint/2010/main" val="3573873519"/>
+              </p:ext>
+            </p:extLst>
+          </p:nvPr>
+        </p:nvGraphicFramePr>
+        <p:xfrm>
+          <a:off x="5562518" y="2368794"/>
+          <a:ext cx="5676976" cy="4250440"/>
+        </p:xfrm>
+        <a:graphic>
+          <a:graphicData uri="http://schemas.openxmlformats.org/drawingml/2006/table">
+            <a:tbl>
+              <a:tblPr firstRow="1" bandRow="1">
+                <a:tableStyleId>{0505E3EF-67EA-436B-97B2-0124C06EBD24}</a:tableStyleId>
+              </a:tblPr>
+              <a:tblGrid>
+                <a:gridCol w="1052038">
+                  <a:extLst>
+                    <a:ext uri="{9D8B030D-6E8A-4147-A177-3AD203B41FA5}">
+                      <a16:colId xmlns:a16="http://schemas.microsoft.com/office/drawing/2014/main" val="1161871934"/>
+                    </a:ext>
+                  </a:extLst>
+                </a:gridCol>
+                <a:gridCol w="1543792">
+                  <a:extLst>
+                    <a:ext uri="{9D8B030D-6E8A-4147-A177-3AD203B41FA5}">
+                      <a16:colId xmlns:a16="http://schemas.microsoft.com/office/drawing/2014/main" val="3696924063"/>
+                    </a:ext>
+                  </a:extLst>
+                </a:gridCol>
+                <a:gridCol w="1460665">
+                  <a:extLst>
+                    <a:ext uri="{9D8B030D-6E8A-4147-A177-3AD203B41FA5}">
+                      <a16:colId xmlns:a16="http://schemas.microsoft.com/office/drawing/2014/main" val="3674922786"/>
+                    </a:ext>
+                  </a:extLst>
+                </a:gridCol>
+                <a:gridCol w="1620481">
+                  <a:extLst>
+                    <a:ext uri="{9D8B030D-6E8A-4147-A177-3AD203B41FA5}">
+                      <a16:colId xmlns:a16="http://schemas.microsoft.com/office/drawing/2014/main" val="928504214"/>
+                    </a:ext>
+                  </a:extLst>
+                </a:gridCol>
+              </a:tblGrid>
+              <a:tr h="1062610">
+                <a:tc>
+                  <a:txBody>
+                    <a:bodyPr/>
+                    <a:lstStyle/>
+                    <a:p>
+                      <a:endParaRPr lang="en-US" dirty="0"/>
+                    </a:p>
+                  </a:txBody>
+                  <a:tcPr/>
+                </a:tc>
+                <a:tc>
+                  <a:txBody>
+                    <a:bodyPr/>
+                    <a:lstStyle/>
+                    <a:p>
+                      <a:endParaRPr lang="en-US" dirty="0"/>
+                    </a:p>
+                    <a:p>
+                      <a:r>
+                        <a:rPr lang="en-US" dirty="0"/>
+                        <a:t>Adopted</a:t>
+                      </a:r>
+                    </a:p>
+                  </a:txBody>
+                  <a:tcPr/>
+                </a:tc>
+                <a:tc>
+                  <a:txBody>
+                    <a:bodyPr/>
+                    <a:lstStyle/>
+                    <a:p>
+                      <a:endParaRPr lang="en-US" dirty="0"/>
+                    </a:p>
+                    <a:p>
+                      <a:r>
+                        <a:rPr lang="en-US" dirty="0"/>
+                        <a:t>Reclaimed</a:t>
+                      </a:r>
+                    </a:p>
+                  </a:txBody>
+                  <a:tcPr/>
+                </a:tc>
+                <a:tc>
+                  <a:txBody>
+                    <a:bodyPr/>
+                    <a:lstStyle/>
+                    <a:p>
+                      <a:endParaRPr lang="en-US" dirty="0"/>
+                    </a:p>
+                    <a:p>
+                      <a:r>
+                        <a:rPr lang="en-US" dirty="0"/>
+                        <a:t>Euthanized</a:t>
+                      </a:r>
+                    </a:p>
+                  </a:txBody>
+                  <a:tcPr/>
+                </a:tc>
+                <a:extLst>
+                  <a:ext uri="{0D108BD9-81ED-4DB2-BD59-A6C34878D82A}">
+                    <a16:rowId xmlns:a16="http://schemas.microsoft.com/office/drawing/2014/main" val="2373797624"/>
+                  </a:ext>
+                </a:extLst>
+              </a:tr>
+              <a:tr h="1062610">
+                <a:tc>
+                  <a:txBody>
+                    <a:bodyPr/>
+                    <a:lstStyle/>
+                    <a:p>
+                      <a:endParaRPr lang="en-US" dirty="0"/>
+                    </a:p>
+                    <a:p>
+                      <a:r>
+                        <a:rPr lang="en-US" b="1" dirty="0"/>
+                        <a:t>Dogs</a:t>
+                      </a:r>
+                    </a:p>
+                  </a:txBody>
+                  <a:tcPr/>
+                </a:tc>
+                <a:tc>
+                  <a:txBody>
+                    <a:bodyPr/>
+                    <a:lstStyle/>
+                    <a:p>
+                      <a:endParaRPr lang="en-US" dirty="0"/>
+                    </a:p>
+                    <a:p>
+                      <a:r>
+                        <a:rPr lang="en-US" dirty="0"/>
+                        <a:t>132,242</a:t>
+                      </a:r>
+                    </a:p>
+                  </a:txBody>
+                  <a:tcPr/>
+                </a:tc>
+                <a:tc>
+                  <a:txBody>
+                    <a:bodyPr/>
+                    <a:lstStyle/>
+                    <a:p>
+                      <a:endParaRPr lang="en-US" dirty="0"/>
+                    </a:p>
+                    <a:p>
+                      <a:r>
+                        <a:rPr lang="en-US" dirty="0"/>
+                        <a:t>64,481</a:t>
+                      </a:r>
+                    </a:p>
+                  </a:txBody>
+                  <a:tcPr/>
+                </a:tc>
+                <a:tc>
+                  <a:txBody>
+                    <a:bodyPr/>
+                    <a:lstStyle/>
+                    <a:p>
+                      <a:endParaRPr lang="en-US" dirty="0"/>
+                    </a:p>
+                    <a:p>
+                      <a:r>
+                        <a:rPr lang="en-US" dirty="0"/>
+                        <a:t>62,852</a:t>
+                      </a:r>
+                    </a:p>
+                  </a:txBody>
+                  <a:tcPr/>
+                </a:tc>
+                <a:extLst>
+                  <a:ext uri="{0D108BD9-81ED-4DB2-BD59-A6C34878D82A}">
+                    <a16:rowId xmlns:a16="http://schemas.microsoft.com/office/drawing/2014/main" val="1832447984"/>
+                  </a:ext>
+                </a:extLst>
+              </a:tr>
+              <a:tr h="1062610">
+                <a:tc>
+                  <a:txBody>
+                    <a:bodyPr/>
+                    <a:lstStyle/>
+                    <a:p>
+                      <a:endParaRPr lang="en-US" dirty="0"/>
+                    </a:p>
+                    <a:p>
+                      <a:r>
+                        <a:rPr lang="en-US" b="1" dirty="0"/>
+                        <a:t>Cats</a:t>
+                      </a:r>
+                    </a:p>
+                  </a:txBody>
+                  <a:tcPr/>
+                </a:tc>
+                <a:tc>
+                  <a:txBody>
+                    <a:bodyPr/>
+                    <a:lstStyle/>
+                    <a:p>
+                      <a:endParaRPr lang="en-US" dirty="0"/>
+                    </a:p>
+                    <a:p>
+                      <a:r>
+                        <a:rPr lang="en-US" dirty="0"/>
+                        <a:t>87,496</a:t>
+                      </a:r>
+                    </a:p>
+                  </a:txBody>
+                  <a:tcPr/>
+                </a:tc>
+                <a:tc>
+                  <a:txBody>
+                    <a:bodyPr/>
+                    <a:lstStyle/>
+                    <a:p>
+                      <a:endParaRPr lang="en-US" dirty="0"/>
+                    </a:p>
+                    <a:p>
+                      <a:r>
+                        <a:rPr lang="en-US" dirty="0"/>
+                        <a:t>6,835</a:t>
+                      </a:r>
+                    </a:p>
+                  </a:txBody>
+                  <a:tcPr/>
+                </a:tc>
+                <a:tc>
+                  <a:txBody>
+                    <a:bodyPr/>
+                    <a:lstStyle/>
+                    <a:p>
+                      <a:endParaRPr lang="en-US" dirty="0"/>
+                    </a:p>
+                    <a:p>
+                      <a:r>
+                        <a:rPr lang="en-US" dirty="0"/>
+                        <a:t>100,565</a:t>
+                      </a:r>
+                    </a:p>
+                  </a:txBody>
+                  <a:tcPr/>
+                </a:tc>
+                <a:extLst>
+                  <a:ext uri="{0D108BD9-81ED-4DB2-BD59-A6C34878D82A}">
+                    <a16:rowId xmlns:a16="http://schemas.microsoft.com/office/drawing/2014/main" val="1993369065"/>
+                  </a:ext>
+                </a:extLst>
+              </a:tr>
+              <a:tr h="1062610">
+                <a:tc>
+                  <a:txBody>
+                    <a:bodyPr/>
+                    <a:lstStyle/>
+                    <a:p>
+                      <a:endParaRPr lang="en-US" dirty="0"/>
+                    </a:p>
+                    <a:p>
+                      <a:r>
+                        <a:rPr lang="en-US" b="1" dirty="0"/>
+                        <a:t>Other</a:t>
+                      </a:r>
+                    </a:p>
+                  </a:txBody>
+                  <a:tcPr/>
+                </a:tc>
+                <a:tc>
+                  <a:txBody>
+                    <a:bodyPr/>
+                    <a:lstStyle/>
+                    <a:p>
+                      <a:endParaRPr lang="en-US" dirty="0"/>
+                    </a:p>
+                    <a:p>
+                      <a:r>
+                        <a:rPr lang="en-US" dirty="0"/>
+                        <a:t>5,904</a:t>
+                      </a:r>
+                    </a:p>
+                  </a:txBody>
+                  <a:tcPr/>
+                </a:tc>
+                <a:tc>
+                  <a:txBody>
+                    <a:bodyPr/>
+                    <a:lstStyle/>
+                    <a:p>
+                      <a:endParaRPr lang="en-US" dirty="0"/>
+                    </a:p>
+                    <a:p>
+                      <a:r>
+                        <a:rPr lang="en-US" dirty="0"/>
+                        <a:t>440</a:t>
+                      </a:r>
+                    </a:p>
+                  </a:txBody>
+                  <a:tcPr/>
+                </a:tc>
+                <a:tc>
+                  <a:txBody>
+                    <a:bodyPr/>
+                    <a:lstStyle/>
+                    <a:p>
+                      <a:endParaRPr lang="en-US" dirty="0"/>
+                    </a:p>
+                    <a:p>
+                      <a:r>
+                        <a:rPr lang="en-US" dirty="0"/>
+                        <a:t>12,923</a:t>
+                      </a:r>
+                    </a:p>
+                  </a:txBody>
+                  <a:tcPr/>
+                </a:tc>
+                <a:extLst>
+                  <a:ext uri="{0D108BD9-81ED-4DB2-BD59-A6C34878D82A}">
+                    <a16:rowId xmlns:a16="http://schemas.microsoft.com/office/drawing/2014/main" val="1602233061"/>
+                  </a:ext>
+                </a:extLst>
+              </a:tr>
+            </a:tbl>
+          </a:graphicData>
+        </a:graphic>
+      </p:graphicFrame>
+    </p:spTree>
+    <p:extLst>
+      <p:ext uri="{BB962C8B-B14F-4D97-AF65-F5344CB8AC3E}">
+        <p14:creationId xmlns:p14="http://schemas.microsoft.com/office/powerpoint/2010/main" val="2954115403"/>
+      </p:ext>
+    </p:extLst>
+  </p:cSld>
+  <p:clrMapOvr>
+    <a:masterClrMapping/>
+  </p:clrMapOvr>
+</p:sld>
+</file>
+
+<file path=ppt/slides/slide8.xml><?xml version="1.0" encoding="utf-8"?>
+<p:sld xmlns:a="http://schemas.openxmlformats.org/drawingml/2006/main" xmlns:r="http://schemas.openxmlformats.org/officeDocument/2006/relationships" xmlns:p="http://schemas.openxmlformats.org/presentationml/2006/main">
+  <p:cSld>
+    <p:spTree>
+      <p:nvGrpSpPr>
+        <p:cNvPr id="1" name=""/>
+        <p:cNvGrpSpPr/>
+        <p:nvPr/>
+      </p:nvGrpSpPr>
+      <p:grpSpPr>
+        <a:xfrm>
+          <a:off x="0" y="0"/>
+          <a:ext cx="0" cy="0"/>
+          <a:chOff x="0" y="0"/>
+          <a:chExt cx="0" cy="0"/>
+        </a:xfrm>
+      </p:grpSpPr>
+      <p:sp>
+        <p:nvSpPr>
+          <p:cNvPr id="2" name="Title 1">
+            <a:extLst>
+              <a:ext uri="{FF2B5EF4-FFF2-40B4-BE49-F238E27FC236}">
+                <a16:creationId xmlns:a16="http://schemas.microsoft.com/office/drawing/2014/main" id="{036D1062-83B5-FD40-8D5E-843F8DB1BC61}"/>
+              </a:ext>
+            </a:extLst>
+          </p:cNvPr>
+          <p:cNvSpPr>
+            <a:spLocks noGrp="1"/>
+          </p:cNvSpPr>
+          <p:nvPr>
+            <p:ph type="title"/>
+          </p:nvPr>
+        </p:nvSpPr>
+        <p:spPr/>
+        <p:txBody>
+          <a:bodyPr/>
+          <a:lstStyle/>
+          <a:p>
+            <a:r>
+              <a:rPr lang="en-US" dirty="0"/>
+              <a:t>Step 4: Stacked Bar Graph</a:t>
+            </a:r>
+          </a:p>
+        </p:txBody>
+      </p:sp>
+      <p:pic>
+        <p:nvPicPr>
+          <p:cNvPr id="6" name="Content Placeholder 5">
+            <a:extLst>
+              <a:ext uri="{FF2B5EF4-FFF2-40B4-BE49-F238E27FC236}">
+                <a16:creationId xmlns:a16="http://schemas.microsoft.com/office/drawing/2014/main" id="{D3AAE8A9-5C5D-4547-B541-6FC16B38A34F}"/>
+              </a:ext>
+            </a:extLst>
+          </p:cNvPr>
+          <p:cNvPicPr>
+            <a:picLocks noGrp="1" noChangeAspect="1"/>
+          </p:cNvPicPr>
+          <p:nvPr>
+            <p:ph sz="half" idx="1"/>
+          </p:nvPr>
+        </p:nvPicPr>
+        <p:blipFill>
+          <a:blip r:embed="rId2"/>
+          <a:stretch>
+            <a:fillRect/>
+          </a:stretch>
+        </p:blipFill>
+        <p:spPr>
+          <a:xfrm>
+            <a:off x="252991" y="1951566"/>
+            <a:ext cx="5322509" cy="4686301"/>
+          </a:xfrm>
+        </p:spPr>
+      </p:pic>
+      <p:pic>
+        <p:nvPicPr>
+          <p:cNvPr id="12" name="Content Placeholder 11">
+            <a:extLst>
+              <a:ext uri="{FF2B5EF4-FFF2-40B4-BE49-F238E27FC236}">
+                <a16:creationId xmlns:a16="http://schemas.microsoft.com/office/drawing/2014/main" id="{6052137A-6874-6E41-A654-CB088214DE61}"/>
+              </a:ext>
+            </a:extLst>
+          </p:cNvPr>
+          <p:cNvPicPr>
+            <a:picLocks noGrp="1" noChangeAspect="1"/>
+          </p:cNvPicPr>
+          <p:nvPr>
+            <p:ph sz="half" idx="2"/>
+          </p:nvPr>
+        </p:nvPicPr>
+        <p:blipFill>
+          <a:blip r:embed="rId3"/>
+          <a:stretch>
+            <a:fillRect/>
+          </a:stretch>
+        </p:blipFill>
+        <p:spPr>
+          <a:xfrm>
+            <a:off x="5957358" y="2128307"/>
+            <a:ext cx="5941366" cy="4204760"/>
+          </a:xfrm>
+        </p:spPr>
+      </p:pic>
+    </p:spTree>
+    <p:extLst>
+      <p:ext uri="{BB962C8B-B14F-4D97-AF65-F5344CB8AC3E}">
+        <p14:creationId xmlns:p14="http://schemas.microsoft.com/office/powerpoint/2010/main" val="1898754045"/>
+      </p:ext>
+    </p:extLst>
+  </p:cSld>
+  <p:clrMapOvr>
+    <a:masterClrMapping/>
+  </p:clrMapOvr>
+</p:sld>
+</file>
+
+<file path=ppt/slides/slide9.xml><?xml version="1.0" encoding="utf-8"?>
+<p:sld xmlns:a="http://schemas.openxmlformats.org/drawingml/2006/main" xmlns:r="http://schemas.openxmlformats.org/officeDocument/2006/relationships" xmlns:p="http://schemas.openxmlformats.org/presentationml/2006/main">
+  <p:cSld>
+    <p:spTree>
+      <p:nvGrpSpPr>
+        <p:cNvPr id="1" name=""/>
+        <p:cNvGrpSpPr/>
+        <p:nvPr/>
+      </p:nvGrpSpPr>
+      <p:grpSpPr>
+        <a:xfrm>
+          <a:off x="0" y="0"/>
+          <a:ext cx="0" cy="0"/>
+          <a:chOff x="0" y="0"/>
+          <a:chExt cx="0" cy="0"/>
+        </a:xfrm>
+      </p:grpSpPr>
+      <p:pic>
+        <p:nvPicPr>
+          <p:cNvPr id="5" name="Content Placeholder 4">
+            <a:extLst>
+              <a:ext uri="{FF2B5EF4-FFF2-40B4-BE49-F238E27FC236}">
+                <a16:creationId xmlns:a16="http://schemas.microsoft.com/office/drawing/2014/main" id="{5026FF81-77A4-7F44-819C-AE000C052F83}"/>
+              </a:ext>
+            </a:extLst>
+          </p:cNvPr>
+          <p:cNvPicPr>
+            <a:picLocks noGrp="1" noChangeAspect="1"/>
+          </p:cNvPicPr>
+          <p:nvPr>
+            <p:ph idx="1"/>
+          </p:nvPr>
+        </p:nvPicPr>
+        <p:blipFill>
+          <a:blip r:embed="rId2"/>
+          <a:stretch>
+            <a:fillRect/>
+          </a:stretch>
+        </p:blipFill>
+        <p:spPr>
+          <a:xfrm>
+            <a:off x="669150" y="3135311"/>
+            <a:ext cx="10553700" cy="2911365"/>
+          </a:xfrm>
+        </p:spPr>
+      </p:pic>
+      <p:pic>
+        <p:nvPicPr>
+          <p:cNvPr id="7" name="Picture 6">
+            <a:extLst>
+              <a:ext uri="{FF2B5EF4-FFF2-40B4-BE49-F238E27FC236}">
+                <a16:creationId xmlns:a16="http://schemas.microsoft.com/office/drawing/2014/main" id="{7BCE3E66-016E-D546-909F-2B2CB85250F7}"/>
+              </a:ext>
+            </a:extLst>
+          </p:cNvPr>
+          <p:cNvPicPr>
+            <a:picLocks noChangeAspect="1"/>
+          </p:cNvPicPr>
+          <p:nvPr/>
+        </p:nvPicPr>
+        <p:blipFill>
+          <a:blip r:embed="rId3"/>
+          <a:stretch>
+            <a:fillRect/>
+          </a:stretch>
+        </p:blipFill>
+        <p:spPr>
+          <a:xfrm>
+            <a:off x="0" y="1417638"/>
+            <a:ext cx="12192000" cy="5422747"/>
+          </a:xfrm>
+          <a:prstGeom prst="rect">
+            <a:avLst/>
+          </a:prstGeom>
+        </p:spPr>
+      </p:pic>
+      <p:sp>
+        <p:nvSpPr>
+          <p:cNvPr id="2" name="Title 1">
+            <a:extLst>
+              <a:ext uri="{FF2B5EF4-FFF2-40B4-BE49-F238E27FC236}">
+                <a16:creationId xmlns:a16="http://schemas.microsoft.com/office/drawing/2014/main" id="{85A0A6F9-9D53-2B4A-9038-338D09A2CDC0}"/>
+              </a:ext>
+            </a:extLst>
+          </p:cNvPr>
+          <p:cNvSpPr>
+            <a:spLocks noGrp="1"/>
+          </p:cNvSpPr>
+          <p:nvPr>
+            <p:ph type="title"/>
+          </p:nvPr>
+        </p:nvSpPr>
+        <p:spPr/>
+        <p:txBody>
+          <a:bodyPr/>
+          <a:lstStyle/>
+          <a:p>
+            <a:r>
+              <a:rPr lang="en-US" dirty="0"/>
+              <a:t>Step 5: Yearly Breakdown</a:t>
+            </a:r>
+          </a:p>
+        </p:txBody>
+      </p:sp>
+    </p:spTree>
+    <p:extLst>
+      <p:ext uri="{BB962C8B-B14F-4D97-AF65-F5344CB8AC3E}">
+        <p14:creationId xmlns:p14="http://schemas.microsoft.com/office/powerpoint/2010/main" val="1075321416"/>
       </p:ext>
     </p:extLst>
   </p:cSld>
